--- a/content/ppt/Locks_on_multicore.pptx
+++ b/content/ppt/Locks_on_multicore.pptx
@@ -5005,7 +5005,7 @@
         </p:nvSpPr>
         <p:spPr>
           <a:xfrm>
-            <a:off x="5624899" y="1414698"/>
+            <a:off x="5140157" y="1778255"/>
             <a:ext cx="1119217" cy="400110"/>
           </a:xfrm>
           <a:prstGeom prst="rect">
@@ -6094,6 +6094,41 @@
           </a:fontRef>
         </p:style>
       </p:cxnSp>
+      <p:sp>
+        <p:nvSpPr>
+          <p:cNvPr id="27" name="TextBox 26">
+            <a:extLst>
+              <a:ext uri="{FF2B5EF4-FFF2-40B4-BE49-F238E27FC236}">
+                <a16:creationId xmlns:a16="http://schemas.microsoft.com/office/drawing/2014/main" id="{8758E566-56CE-6E43-B1A7-95BDA6713339}"/>
+              </a:ext>
+            </a:extLst>
+          </p:cNvPr>
+          <p:cNvSpPr txBox="1"/>
+          <p:nvPr/>
+        </p:nvSpPr>
+        <p:spPr>
+          <a:xfrm>
+            <a:off x="8471383" y="4140285"/>
+            <a:ext cx="465577" cy="369332"/>
+          </a:xfrm>
+          <a:prstGeom prst="rect">
+            <a:avLst/>
+          </a:prstGeom>
+          <a:noFill/>
+        </p:spPr>
+        <p:txBody>
+          <a:bodyPr wrap="none" rtlCol="0">
+            <a:spAutoFit/>
+          </a:bodyPr>
+          <a:lstStyle/>
+          <a:p>
+            <a:r>
+              <a:rPr lang="en-US" dirty="0"/>
+              <a:t>set</a:t>
+            </a:r>
+          </a:p>
+        </p:txBody>
+      </p:sp>
     </p:spTree>
     <p:extLst>
       <p:ext uri="{BB962C8B-B14F-4D97-AF65-F5344CB8AC3E}">
@@ -6138,7 +6173,7 @@
         </p:nvSpPr>
         <p:spPr>
           <a:xfrm>
-            <a:off x="4373760" y="3831973"/>
+            <a:off x="2533943" y="3776888"/>
             <a:ext cx="1046120" cy="369332"/>
           </a:xfrm>
           <a:prstGeom prst="rect">
@@ -6173,7 +6208,7 @@
         </p:nvSpPr>
         <p:spPr>
           <a:xfrm>
-            <a:off x="7429351" y="3831973"/>
+            <a:off x="5589534" y="3776888"/>
             <a:ext cx="1042273" cy="369332"/>
           </a:xfrm>
           <a:prstGeom prst="rect">
@@ -6208,7 +6243,7 @@
         </p:nvSpPr>
         <p:spPr>
           <a:xfrm>
-            <a:off x="5624899" y="1414698"/>
+            <a:off x="5251573" y="1633662"/>
             <a:ext cx="1191352" cy="400110"/>
           </a:xfrm>
           <a:prstGeom prst="rect">
@@ -6243,7 +6278,7 @@
         </p:nvGrpSpPr>
         <p:grpSpPr>
           <a:xfrm>
-            <a:off x="3801923" y="2627058"/>
+            <a:off x="1962106" y="2571973"/>
             <a:ext cx="2157276" cy="666714"/>
             <a:chOff x="4713772" y="3204170"/>
             <a:chExt cx="2157276" cy="666714"/>
@@ -6532,7 +6567,7 @@
         </p:nvGrpSpPr>
         <p:grpSpPr>
           <a:xfrm>
-            <a:off x="6853670" y="2627058"/>
+            <a:off x="5032033" y="2571973"/>
             <a:ext cx="2157273" cy="666714"/>
             <a:chOff x="4713775" y="3204170"/>
             <a:chExt cx="2157273" cy="666714"/>
@@ -6825,7 +6860,7 @@
         </p:nvCxnSpPr>
         <p:spPr>
           <a:xfrm rot="5400000" flipH="1">
-            <a:off x="3993979" y="2946507"/>
+            <a:off x="2154162" y="2891422"/>
             <a:ext cx="155213" cy="539319"/>
           </a:xfrm>
           <a:prstGeom prst="curvedConnector4">
@@ -6870,7 +6905,7 @@
         </p:nvSpPr>
         <p:spPr>
           <a:xfrm>
-            <a:off x="3057522" y="3297150"/>
+            <a:off x="1217705" y="3242065"/>
             <a:ext cx="570990" cy="369332"/>
           </a:xfrm>
           <a:prstGeom prst="rect">
@@ -6905,7 +6940,7 @@
         </p:nvSpPr>
         <p:spPr>
           <a:xfrm>
-            <a:off x="3801923" y="4955750"/>
+            <a:off x="1962106" y="4900665"/>
             <a:ext cx="1078637" cy="310427"/>
           </a:xfrm>
           <a:prstGeom prst="rect">
@@ -6943,7 +6978,7 @@
             <a:pPr algn="ctr"/>
             <a:r>
               <a:rPr lang="en-US" altLang="zh-CN" b="1" dirty="0"/>
-              <a:t>Node</a:t>
+              <a:t>Current</a:t>
             </a:r>
           </a:p>
         </p:txBody>
@@ -6964,7 +6999,7 @@
         </p:nvCxnSpPr>
         <p:spPr>
           <a:xfrm flipV="1">
-            <a:off x="4880560" y="5110963"/>
+            <a:off x="3040743" y="5055878"/>
             <a:ext cx="402059" cy="1"/>
           </a:xfrm>
           <a:prstGeom prst="straightConnector1">
@@ -7003,7 +7038,7 @@
         </p:nvSpPr>
         <p:spPr>
           <a:xfrm>
-            <a:off x="5268191" y="5634623"/>
+            <a:off x="3428374" y="5579538"/>
             <a:ext cx="1078637" cy="310427"/>
           </a:xfrm>
           <a:prstGeom prst="rect">
@@ -7050,7 +7085,7 @@
                   </a:schemeClr>
                 </a:solidFill>
               </a:rPr>
-              <a:t>Node</a:t>
+              <a:t>Next</a:t>
             </a:r>
           </a:p>
         </p:txBody>
@@ -7069,7 +7104,7 @@
         </p:nvSpPr>
         <p:spPr>
           <a:xfrm>
-            <a:off x="5282619" y="4926297"/>
+            <a:off x="3442802" y="4871212"/>
             <a:ext cx="619400" cy="369332"/>
           </a:xfrm>
           <a:prstGeom prst="rect">
@@ -7107,7 +7142,7 @@
         </p:nvCxnSpPr>
         <p:spPr>
           <a:xfrm>
-            <a:off x="4880560" y="5110964"/>
+            <a:off x="3040743" y="5055879"/>
             <a:ext cx="387631" cy="678873"/>
           </a:xfrm>
           <a:prstGeom prst="curvedConnector3">
@@ -7144,19 +7179,21 @@
             </a:extLst>
           </p:cNvPr>
           <p:cNvCxnSpPr>
+            <a:cxnSpLocks/>
+            <a:stCxn id="37" idx="1"/>
             <a:endCxn id="32" idx="2"/>
           </p:cNvCxnSpPr>
           <p:nvPr/>
         </p:nvCxnSpPr>
         <p:spPr>
           <a:xfrm rot="10800000" flipV="1">
-            <a:off x="5419881" y="2983344"/>
-            <a:ext cx="1396370" cy="310427"/>
+            <a:off x="3580065" y="2905329"/>
+            <a:ext cx="1451969" cy="333357"/>
           </a:xfrm>
           <a:prstGeom prst="curvedConnector4">
             <a:avLst>
-              <a:gd name="adj1" fmla="val 30689"/>
-              <a:gd name="adj2" fmla="val 173641"/>
+              <a:gd name="adj1" fmla="val 31428"/>
+              <a:gd name="adj2" fmla="val 168575"/>
             </a:avLst>
           </a:prstGeom>
           <a:ln>
@@ -7192,7 +7229,7 @@
         </p:nvSpPr>
         <p:spPr>
           <a:xfrm>
-            <a:off x="5987786" y="3481816"/>
+            <a:off x="4147969" y="3426731"/>
             <a:ext cx="465577" cy="369332"/>
           </a:xfrm>
           <a:prstGeom prst="rect">
@@ -7213,6 +7250,505 @@
           </a:p>
         </p:txBody>
       </p:sp>
+      <p:sp>
+        <p:nvSpPr>
+          <p:cNvPr id="22" name="TextBox 21">
+            <a:extLst>
+              <a:ext uri="{FF2B5EF4-FFF2-40B4-BE49-F238E27FC236}">
+                <a16:creationId xmlns:a16="http://schemas.microsoft.com/office/drawing/2014/main" id="{3D8D1687-080A-7441-896E-C1FA5F2A9812}"/>
+              </a:ext>
+            </a:extLst>
+          </p:cNvPr>
+          <p:cNvSpPr txBox="1"/>
+          <p:nvPr/>
+        </p:nvSpPr>
+        <p:spPr>
+          <a:xfrm>
+            <a:off x="8297848" y="3796063"/>
+            <a:ext cx="1032655" cy="369332"/>
+          </a:xfrm>
+          <a:prstGeom prst="rect">
+            <a:avLst/>
+          </a:prstGeom>
+          <a:noFill/>
+        </p:spPr>
+        <p:txBody>
+          <a:bodyPr wrap="none" rtlCol="0">
+            <a:spAutoFit/>
+          </a:bodyPr>
+          <a:lstStyle/>
+          <a:p>
+            <a:r>
+              <a:rPr lang="en-US" b="1" i="1" dirty="0"/>
+              <a:t>Thread C</a:t>
+            </a:r>
+          </a:p>
+        </p:txBody>
+      </p:sp>
+      <p:grpSp>
+        <p:nvGrpSpPr>
+          <p:cNvPr id="24" name="Group 23">
+            <a:extLst>
+              <a:ext uri="{FF2B5EF4-FFF2-40B4-BE49-F238E27FC236}">
+                <a16:creationId xmlns:a16="http://schemas.microsoft.com/office/drawing/2014/main" id="{142E14C6-8C89-214A-BE3C-F60E9FABBCC1}"/>
+              </a:ext>
+            </a:extLst>
+          </p:cNvPr>
+          <p:cNvGrpSpPr/>
+          <p:nvPr/>
+        </p:nvGrpSpPr>
+        <p:grpSpPr>
+          <a:xfrm>
+            <a:off x="8065597" y="2594902"/>
+            <a:ext cx="2157273" cy="666714"/>
+            <a:chOff x="4713775" y="3204170"/>
+            <a:chExt cx="2157273" cy="666714"/>
+          </a:xfrm>
+        </p:grpSpPr>
+        <p:sp>
+          <p:nvSpPr>
+            <p:cNvPr id="25" name="Rectangle 24">
+              <a:extLst>
+                <a:ext uri="{FF2B5EF4-FFF2-40B4-BE49-F238E27FC236}">
+                  <a16:creationId xmlns:a16="http://schemas.microsoft.com/office/drawing/2014/main" id="{F8F68F2D-597C-B941-BA0A-DCD974B2F04F}"/>
+                </a:ext>
+              </a:extLst>
+            </p:cNvPr>
+            <p:cNvSpPr/>
+            <p:nvPr/>
+          </p:nvSpPr>
+          <p:spPr>
+            <a:xfrm>
+              <a:off x="4713775" y="3204170"/>
+              <a:ext cx="2157273" cy="666714"/>
+            </a:xfrm>
+            <a:prstGeom prst="rect">
+              <a:avLst/>
+            </a:prstGeom>
+            <a:solidFill>
+              <a:schemeClr val="accent6">
+                <a:lumMod val="60000"/>
+                <a:lumOff val="40000"/>
+              </a:schemeClr>
+            </a:solidFill>
+            <a:ln>
+              <a:noFill/>
+            </a:ln>
+          </p:spPr>
+          <p:style>
+            <a:lnRef idx="2">
+              <a:schemeClr val="accent1">
+                <a:shade val="50000"/>
+              </a:schemeClr>
+            </a:lnRef>
+            <a:fillRef idx="1">
+              <a:schemeClr val="accent1"/>
+            </a:fillRef>
+            <a:effectRef idx="0">
+              <a:schemeClr val="accent1"/>
+            </a:effectRef>
+            <a:fontRef idx="minor">
+              <a:schemeClr val="lt1"/>
+            </a:fontRef>
+          </p:style>
+          <p:txBody>
+            <a:bodyPr rtlCol="0" anchor="ctr"/>
+            <a:lstStyle>
+              <a:defPPr>
+                <a:defRPr lang="en-US"/>
+              </a:defPPr>
+              <a:lvl1pPr marL="0" algn="l" defTabSz="914400" rtl="0" eaLnBrk="1" latinLnBrk="0" hangingPunct="1">
+                <a:defRPr sz="1800" kern="1200">
+                  <a:solidFill>
+                    <a:schemeClr val="lt1"/>
+                  </a:solidFill>
+                  <a:latin typeface="+mn-lt"/>
+                  <a:ea typeface="+mn-ea"/>
+                  <a:cs typeface="+mn-cs"/>
+                </a:defRPr>
+              </a:lvl1pPr>
+              <a:lvl2pPr marL="457200" algn="l" defTabSz="914400" rtl="0" eaLnBrk="1" latinLnBrk="0" hangingPunct="1">
+                <a:defRPr sz="1800" kern="1200">
+                  <a:solidFill>
+                    <a:schemeClr val="lt1"/>
+                  </a:solidFill>
+                  <a:latin typeface="+mn-lt"/>
+                  <a:ea typeface="+mn-ea"/>
+                  <a:cs typeface="+mn-cs"/>
+                </a:defRPr>
+              </a:lvl2pPr>
+              <a:lvl3pPr marL="914400" algn="l" defTabSz="914400" rtl="0" eaLnBrk="1" latinLnBrk="0" hangingPunct="1">
+                <a:defRPr sz="1800" kern="1200">
+                  <a:solidFill>
+                    <a:schemeClr val="lt1"/>
+                  </a:solidFill>
+                  <a:latin typeface="+mn-lt"/>
+                  <a:ea typeface="+mn-ea"/>
+                  <a:cs typeface="+mn-cs"/>
+                </a:defRPr>
+              </a:lvl3pPr>
+              <a:lvl4pPr marL="1371600" algn="l" defTabSz="914400" rtl="0" eaLnBrk="1" latinLnBrk="0" hangingPunct="1">
+                <a:defRPr sz="1800" kern="1200">
+                  <a:solidFill>
+                    <a:schemeClr val="lt1"/>
+                  </a:solidFill>
+                  <a:latin typeface="+mn-lt"/>
+                  <a:ea typeface="+mn-ea"/>
+                  <a:cs typeface="+mn-cs"/>
+                </a:defRPr>
+              </a:lvl4pPr>
+              <a:lvl5pPr marL="1828800" algn="l" defTabSz="914400" rtl="0" eaLnBrk="1" latinLnBrk="0" hangingPunct="1">
+                <a:defRPr sz="1800" kern="1200">
+                  <a:solidFill>
+                    <a:schemeClr val="lt1"/>
+                  </a:solidFill>
+                  <a:latin typeface="+mn-lt"/>
+                  <a:ea typeface="+mn-ea"/>
+                  <a:cs typeface="+mn-cs"/>
+                </a:defRPr>
+              </a:lvl5pPr>
+              <a:lvl6pPr marL="2286000" algn="l" defTabSz="914400" rtl="0" eaLnBrk="1" latinLnBrk="0" hangingPunct="1">
+                <a:defRPr sz="1800" kern="1200">
+                  <a:solidFill>
+                    <a:schemeClr val="lt1"/>
+                  </a:solidFill>
+                  <a:latin typeface="+mn-lt"/>
+                  <a:ea typeface="+mn-ea"/>
+                  <a:cs typeface="+mn-cs"/>
+                </a:defRPr>
+              </a:lvl6pPr>
+              <a:lvl7pPr marL="2743200" algn="l" defTabSz="914400" rtl="0" eaLnBrk="1" latinLnBrk="0" hangingPunct="1">
+                <a:defRPr sz="1800" kern="1200">
+                  <a:solidFill>
+                    <a:schemeClr val="lt1"/>
+                  </a:solidFill>
+                  <a:latin typeface="+mn-lt"/>
+                  <a:ea typeface="+mn-ea"/>
+                  <a:cs typeface="+mn-cs"/>
+                </a:defRPr>
+              </a:lvl7pPr>
+              <a:lvl8pPr marL="3200400" algn="l" defTabSz="914400" rtl="0" eaLnBrk="1" latinLnBrk="0" hangingPunct="1">
+                <a:defRPr sz="1800" kern="1200">
+                  <a:solidFill>
+                    <a:schemeClr val="lt1"/>
+                  </a:solidFill>
+                  <a:latin typeface="+mn-lt"/>
+                  <a:ea typeface="+mn-ea"/>
+                  <a:cs typeface="+mn-cs"/>
+                </a:defRPr>
+              </a:lvl8pPr>
+              <a:lvl9pPr marL="3657600" algn="l" defTabSz="914400" rtl="0" eaLnBrk="1" latinLnBrk="0" hangingPunct="1">
+                <a:defRPr sz="1800" kern="1200">
+                  <a:solidFill>
+                    <a:schemeClr val="lt1"/>
+                  </a:solidFill>
+                  <a:latin typeface="+mn-lt"/>
+                  <a:ea typeface="+mn-ea"/>
+                  <a:cs typeface="+mn-cs"/>
+                </a:defRPr>
+              </a:lvl9pPr>
+            </a:lstStyle>
+            <a:p>
+              <a:pPr algn="ctr"/>
+              <a:r>
+                <a:rPr lang="en-US" altLang="zh-CN" b="1" dirty="0"/>
+                <a:t>Lock</a:t>
+              </a:r>
+            </a:p>
+            <a:p>
+              <a:pPr algn="ctr"/>
+              <a:endParaRPr lang="en-US" b="1" dirty="0"/>
+            </a:p>
+          </p:txBody>
+        </p:sp>
+        <p:sp>
+          <p:nvSpPr>
+            <p:cNvPr id="27" name="Rectangle 26">
+              <a:extLst>
+                <a:ext uri="{FF2B5EF4-FFF2-40B4-BE49-F238E27FC236}">
+                  <a16:creationId xmlns:a16="http://schemas.microsoft.com/office/drawing/2014/main" id="{C0B30808-8E5B-364C-AF84-1A3D00A0B96E}"/>
+                </a:ext>
+              </a:extLst>
+            </p:cNvPr>
+            <p:cNvSpPr/>
+            <p:nvPr/>
+          </p:nvSpPr>
+          <p:spPr>
+            <a:xfrm>
+              <a:off x="4713775" y="3560457"/>
+              <a:ext cx="1078637" cy="310427"/>
+            </a:xfrm>
+            <a:prstGeom prst="rect">
+              <a:avLst/>
+            </a:prstGeom>
+            <a:solidFill>
+              <a:srgbClr val="7030A0"/>
+            </a:solidFill>
+            <a:ln>
+              <a:noFill/>
+            </a:ln>
+          </p:spPr>
+          <p:style>
+            <a:lnRef idx="2">
+              <a:schemeClr val="accent1">
+                <a:shade val="50000"/>
+              </a:schemeClr>
+            </a:lnRef>
+            <a:fillRef idx="1">
+              <a:schemeClr val="accent1"/>
+            </a:fillRef>
+            <a:effectRef idx="0">
+              <a:schemeClr val="accent1"/>
+            </a:effectRef>
+            <a:fontRef idx="minor">
+              <a:schemeClr val="lt1"/>
+            </a:fontRef>
+          </p:style>
+          <p:txBody>
+            <a:bodyPr rtlCol="0" anchor="ctr"/>
+            <a:lstStyle/>
+            <a:p>
+              <a:pPr algn="ctr"/>
+              <a:r>
+                <a:rPr lang="en-US" altLang="zh-CN" b="1" dirty="0"/>
+                <a:t>Current</a:t>
+              </a:r>
+            </a:p>
+          </p:txBody>
+        </p:sp>
+        <p:sp>
+          <p:nvSpPr>
+            <p:cNvPr id="28" name="Rectangle 27">
+              <a:extLst>
+                <a:ext uri="{FF2B5EF4-FFF2-40B4-BE49-F238E27FC236}">
+                  <a16:creationId xmlns:a16="http://schemas.microsoft.com/office/drawing/2014/main" id="{2EB2E3E1-35B6-D240-98DA-C69DCDFDC353}"/>
+                </a:ext>
+              </a:extLst>
+            </p:cNvPr>
+            <p:cNvSpPr/>
+            <p:nvPr/>
+          </p:nvSpPr>
+          <p:spPr>
+            <a:xfrm>
+              <a:off x="5792411" y="3560457"/>
+              <a:ext cx="1078637" cy="310427"/>
+            </a:xfrm>
+            <a:prstGeom prst="rect">
+              <a:avLst/>
+            </a:prstGeom>
+            <a:solidFill>
+              <a:schemeClr val="accent5">
+                <a:lumMod val="75000"/>
+              </a:schemeClr>
+            </a:solidFill>
+            <a:ln>
+              <a:noFill/>
+            </a:ln>
+          </p:spPr>
+          <p:style>
+            <a:lnRef idx="2">
+              <a:schemeClr val="accent1">
+                <a:shade val="50000"/>
+              </a:schemeClr>
+            </a:lnRef>
+            <a:fillRef idx="1">
+              <a:schemeClr val="accent1"/>
+            </a:fillRef>
+            <a:effectRef idx="0">
+              <a:schemeClr val="accent1"/>
+            </a:effectRef>
+            <a:fontRef idx="minor">
+              <a:schemeClr val="lt1"/>
+            </a:fontRef>
+          </p:style>
+          <p:txBody>
+            <a:bodyPr rtlCol="0" anchor="ctr"/>
+            <a:lstStyle/>
+            <a:p>
+              <a:pPr algn="ctr"/>
+              <a:r>
+                <a:rPr lang="en-US" altLang="zh-CN" b="1" dirty="0"/>
+                <a:t>Tail</a:t>
+              </a:r>
+            </a:p>
+          </p:txBody>
+        </p:sp>
+      </p:grpSp>
+      <p:cxnSp>
+        <p:nvCxnSpPr>
+          <p:cNvPr id="29" name="Curved Connector 28">
+            <a:extLst>
+              <a:ext uri="{FF2B5EF4-FFF2-40B4-BE49-F238E27FC236}">
+                <a16:creationId xmlns:a16="http://schemas.microsoft.com/office/drawing/2014/main" id="{D92A10AD-4A5D-4A49-94FB-A673013DE3EF}"/>
+              </a:ext>
+            </a:extLst>
+          </p:cNvPr>
+          <p:cNvCxnSpPr>
+            <a:cxnSpLocks/>
+            <a:stCxn id="25" idx="1"/>
+            <a:endCxn id="40" idx="2"/>
+          </p:cNvCxnSpPr>
+          <p:nvPr/>
+        </p:nvCxnSpPr>
+        <p:spPr>
+          <a:xfrm rot="10800000" flipV="1">
+            <a:off x="6649989" y="2928259"/>
+            <a:ext cx="1415609" cy="310428"/>
+          </a:xfrm>
+          <a:prstGeom prst="curvedConnector4">
+            <a:avLst>
+              <a:gd name="adj1" fmla="val 30951"/>
+              <a:gd name="adj2" fmla="val 181027"/>
+            </a:avLst>
+          </a:prstGeom>
+          <a:ln>
+            <a:tailEnd type="triangle"/>
+          </a:ln>
+        </p:spPr>
+        <p:style>
+          <a:lnRef idx="1">
+            <a:schemeClr val="accent1"/>
+          </a:lnRef>
+          <a:fillRef idx="0">
+            <a:schemeClr val="accent1"/>
+          </a:fillRef>
+          <a:effectRef idx="0">
+            <a:schemeClr val="accent1"/>
+          </a:effectRef>
+          <a:fontRef idx="minor">
+            <a:schemeClr val="tx1"/>
+          </a:fontRef>
+        </p:style>
+      </p:cxnSp>
+      <p:sp>
+        <p:nvSpPr>
+          <p:cNvPr id="33" name="TextBox 32">
+            <a:extLst>
+              <a:ext uri="{FF2B5EF4-FFF2-40B4-BE49-F238E27FC236}">
+                <a16:creationId xmlns:a16="http://schemas.microsoft.com/office/drawing/2014/main" id="{DBF14CB5-998F-5548-9097-1A2F60F0426B}"/>
+              </a:ext>
+            </a:extLst>
+          </p:cNvPr>
+          <p:cNvSpPr txBox="1"/>
+          <p:nvPr/>
+        </p:nvSpPr>
+        <p:spPr>
+          <a:xfrm>
+            <a:off x="7176440" y="3426731"/>
+            <a:ext cx="465577" cy="369332"/>
+          </a:xfrm>
+          <a:prstGeom prst="rect">
+            <a:avLst/>
+          </a:prstGeom>
+          <a:noFill/>
+        </p:spPr>
+        <p:txBody>
+          <a:bodyPr wrap="none" rtlCol="0">
+            <a:spAutoFit/>
+          </a:bodyPr>
+          <a:lstStyle/>
+          <a:p>
+            <a:r>
+              <a:rPr lang="en-US" dirty="0"/>
+              <a:t>set</a:t>
+            </a:r>
+          </a:p>
+        </p:txBody>
+      </p:sp>
+      <p:cxnSp>
+        <p:nvCxnSpPr>
+          <p:cNvPr id="34" name="Curved Connector 33">
+            <a:extLst>
+              <a:ext uri="{FF2B5EF4-FFF2-40B4-BE49-F238E27FC236}">
+                <a16:creationId xmlns:a16="http://schemas.microsoft.com/office/drawing/2014/main" id="{9D2747C5-4C93-A94C-B889-F1AD46960D2D}"/>
+              </a:ext>
+            </a:extLst>
+          </p:cNvPr>
+          <p:cNvCxnSpPr>
+            <a:cxnSpLocks/>
+          </p:cNvCxnSpPr>
+          <p:nvPr/>
+        </p:nvCxnSpPr>
+        <p:spPr>
+          <a:xfrm rot="5400000" flipH="1">
+            <a:off x="5205905" y="2891420"/>
+            <a:ext cx="155213" cy="539319"/>
+          </a:xfrm>
+          <a:prstGeom prst="curvedConnector4">
+            <a:avLst>
+              <a:gd name="adj1" fmla="val -147281"/>
+              <a:gd name="adj2" fmla="val 142387"/>
+            </a:avLst>
+          </a:prstGeom>
+          <a:ln>
+            <a:solidFill>
+              <a:srgbClr val="FF0000"/>
+            </a:solidFill>
+            <a:tailEnd type="triangle"/>
+          </a:ln>
+        </p:spPr>
+        <p:style>
+          <a:lnRef idx="1">
+            <a:schemeClr val="accent1"/>
+          </a:lnRef>
+          <a:fillRef idx="0">
+            <a:schemeClr val="accent1"/>
+          </a:fillRef>
+          <a:effectRef idx="0">
+            <a:schemeClr val="accent1"/>
+          </a:effectRef>
+          <a:fontRef idx="minor">
+            <a:schemeClr val="tx1"/>
+          </a:fontRef>
+        </p:style>
+      </p:cxnSp>
+      <p:cxnSp>
+        <p:nvCxnSpPr>
+          <p:cNvPr id="38" name="Curved Connector 37">
+            <a:extLst>
+              <a:ext uri="{FF2B5EF4-FFF2-40B4-BE49-F238E27FC236}">
+                <a16:creationId xmlns:a16="http://schemas.microsoft.com/office/drawing/2014/main" id="{81E3FACF-5159-FA4B-B297-E8CE4DED883E}"/>
+              </a:ext>
+            </a:extLst>
+          </p:cNvPr>
+          <p:cNvCxnSpPr>
+            <a:cxnSpLocks/>
+          </p:cNvCxnSpPr>
+          <p:nvPr/>
+        </p:nvCxnSpPr>
+        <p:spPr>
+          <a:xfrm rot="5400000" flipH="1">
+            <a:off x="8265437" y="2914349"/>
+            <a:ext cx="155213" cy="539319"/>
+          </a:xfrm>
+          <a:prstGeom prst="curvedConnector4">
+            <a:avLst>
+              <a:gd name="adj1" fmla="val -147281"/>
+              <a:gd name="adj2" fmla="val 142387"/>
+            </a:avLst>
+          </a:prstGeom>
+          <a:ln>
+            <a:solidFill>
+              <a:srgbClr val="FF0000"/>
+            </a:solidFill>
+            <a:tailEnd type="triangle"/>
+          </a:ln>
+        </p:spPr>
+        <p:style>
+          <a:lnRef idx="1">
+            <a:schemeClr val="accent1"/>
+          </a:lnRef>
+          <a:fillRef idx="0">
+            <a:schemeClr val="accent1"/>
+          </a:fillRef>
+          <a:effectRef idx="0">
+            <a:schemeClr val="accent1"/>
+          </a:effectRef>
+          <a:fontRef idx="minor">
+            <a:schemeClr val="tx1"/>
+          </a:fontRef>
+        </p:style>
+      </p:cxnSp>
     </p:spTree>
     <p:extLst>
       <p:ext uri="{BB962C8B-B14F-4D97-AF65-F5344CB8AC3E}">

--- a/content/ppt/Locks_on_multicore.pptx
+++ b/content/ppt/Locks_on_multicore.pptx
@@ -6,9 +6,10 @@
   </p:sldMasterIdLst>
   <p:sldIdLst>
     <p:sldId id="256" r:id="rId2"/>
-    <p:sldId id="257" r:id="rId3"/>
-    <p:sldId id="258" r:id="rId4"/>
-    <p:sldId id="259" r:id="rId5"/>
+    <p:sldId id="260" r:id="rId3"/>
+    <p:sldId id="257" r:id="rId4"/>
+    <p:sldId id="258" r:id="rId5"/>
+    <p:sldId id="259" r:id="rId6"/>
   </p:sldIdLst>
   <p:sldSz cx="12192000" cy="6858000"/>
   <p:notesSz cx="6858000" cy="9144000"/>
@@ -3389,10 +3390,10 @@
       </p:sp>
       <p:sp>
         <p:nvSpPr>
-          <p:cNvPr id="5" name="Rectangle 4">
-            <a:extLst>
-              <a:ext uri="{FF2B5EF4-FFF2-40B4-BE49-F238E27FC236}">
-                <a16:creationId xmlns:a16="http://schemas.microsoft.com/office/drawing/2014/main" id="{F975BF13-3FF3-BE43-AB6C-F31C7333F01B}"/>
+          <p:cNvPr id="10" name="Rectangle 9">
+            <a:extLst>
+              <a:ext uri="{FF2B5EF4-FFF2-40B4-BE49-F238E27FC236}">
+                <a16:creationId xmlns:a16="http://schemas.microsoft.com/office/drawing/2014/main" id="{78035B01-058A-274B-A48D-4A35730A28A1}"/>
               </a:ext>
             </a:extLst>
           </p:cNvPr>
@@ -3401,307 +3402,7 @@
         </p:nvSpPr>
         <p:spPr>
           <a:xfrm>
-            <a:off x="3859123" y="3779520"/>
-            <a:ext cx="2175917" cy="666714"/>
-          </a:xfrm>
-          <a:prstGeom prst="rect">
-            <a:avLst/>
-          </a:prstGeom>
-          <a:solidFill>
-            <a:schemeClr val="accent6">
-              <a:lumMod val="40000"/>
-              <a:lumOff val="60000"/>
-            </a:schemeClr>
-          </a:solidFill>
-          <a:ln>
-            <a:noFill/>
-          </a:ln>
-        </p:spPr>
-        <p:style>
-          <a:lnRef idx="2">
-            <a:schemeClr val="accent1">
-              <a:shade val="50000"/>
-            </a:schemeClr>
-          </a:lnRef>
-          <a:fillRef idx="1">
-            <a:schemeClr val="accent1"/>
-          </a:fillRef>
-          <a:effectRef idx="0">
-            <a:schemeClr val="accent1"/>
-          </a:effectRef>
-          <a:fontRef idx="minor">
-            <a:schemeClr val="lt1"/>
-          </a:fontRef>
-        </p:style>
-        <p:txBody>
-          <a:bodyPr rtlCol="0" anchor="ctr"/>
-          <a:lstStyle/>
-          <a:p>
-            <a:pPr algn="ctr"/>
-            <a:r>
-              <a:rPr lang="en-US" b="1" dirty="0"/>
-              <a:t>L2 Cache</a:t>
-            </a:r>
-          </a:p>
-        </p:txBody>
-      </p:sp>
-      <p:sp>
-        <p:nvSpPr>
-          <p:cNvPr id="6" name="Rectangle 5">
-            <a:extLst>
-              <a:ext uri="{FF2B5EF4-FFF2-40B4-BE49-F238E27FC236}">
-                <a16:creationId xmlns:a16="http://schemas.microsoft.com/office/drawing/2014/main" id="{3C04CB38-1558-0949-BBB9-33D9389F6A11}"/>
-              </a:ext>
-            </a:extLst>
-          </p:cNvPr>
-          <p:cNvSpPr/>
-          <p:nvPr/>
-        </p:nvSpPr>
-        <p:spPr>
-          <a:xfrm>
-            <a:off x="6617563" y="3779520"/>
-            <a:ext cx="2175917" cy="666714"/>
-          </a:xfrm>
-          <a:prstGeom prst="rect">
-            <a:avLst/>
-          </a:prstGeom>
-          <a:solidFill>
-            <a:schemeClr val="accent6">
-              <a:lumMod val="40000"/>
-              <a:lumOff val="60000"/>
-            </a:schemeClr>
-          </a:solidFill>
-          <a:ln>
-            <a:noFill/>
-          </a:ln>
-        </p:spPr>
-        <p:style>
-          <a:lnRef idx="2">
-            <a:schemeClr val="accent1">
-              <a:shade val="50000"/>
-            </a:schemeClr>
-          </a:lnRef>
-          <a:fillRef idx="1">
-            <a:schemeClr val="accent1"/>
-          </a:fillRef>
-          <a:effectRef idx="0">
-            <a:schemeClr val="accent1"/>
-          </a:effectRef>
-          <a:fontRef idx="minor">
-            <a:schemeClr val="lt1"/>
-          </a:fontRef>
-        </p:style>
-        <p:txBody>
-          <a:bodyPr rtlCol="0" anchor="ctr"/>
-          <a:lstStyle/>
-          <a:p>
-            <a:pPr algn="ctr"/>
-            <a:r>
-              <a:rPr lang="en-US" b="1" dirty="0"/>
-              <a:t>L2 Cache</a:t>
-            </a:r>
-          </a:p>
-        </p:txBody>
-      </p:sp>
-      <p:sp>
-        <p:nvSpPr>
-          <p:cNvPr id="7" name="Rectangle 6">
-            <a:extLst>
-              <a:ext uri="{FF2B5EF4-FFF2-40B4-BE49-F238E27FC236}">
-                <a16:creationId xmlns:a16="http://schemas.microsoft.com/office/drawing/2014/main" id="{D6ABB025-E400-CF4A-ADF9-6D1D68A6B64A}"/>
-              </a:ext>
-            </a:extLst>
-          </p:cNvPr>
-          <p:cNvSpPr/>
-          <p:nvPr/>
-        </p:nvSpPr>
-        <p:spPr>
-          <a:xfrm>
-            <a:off x="3859123" y="4448158"/>
-            <a:ext cx="2175917" cy="666714"/>
-          </a:xfrm>
-          <a:prstGeom prst="rect">
-            <a:avLst/>
-          </a:prstGeom>
-          <a:solidFill>
-            <a:schemeClr val="accent6">
-              <a:lumMod val="60000"/>
-              <a:lumOff val="40000"/>
-            </a:schemeClr>
-          </a:solidFill>
-          <a:ln>
-            <a:noFill/>
-          </a:ln>
-        </p:spPr>
-        <p:style>
-          <a:lnRef idx="2">
-            <a:schemeClr val="accent1">
-              <a:shade val="50000"/>
-            </a:schemeClr>
-          </a:lnRef>
-          <a:fillRef idx="1">
-            <a:schemeClr val="accent1"/>
-          </a:fillRef>
-          <a:effectRef idx="0">
-            <a:schemeClr val="accent1"/>
-          </a:effectRef>
-          <a:fontRef idx="minor">
-            <a:schemeClr val="lt1"/>
-          </a:fontRef>
-        </p:style>
-        <p:txBody>
-          <a:bodyPr rtlCol="0" anchor="ctr"/>
-          <a:lstStyle/>
-          <a:p>
-            <a:pPr algn="ctr"/>
-            <a:r>
-              <a:rPr lang="en-US" b="1" dirty="0"/>
-              <a:t>L</a:t>
-            </a:r>
-            <a:r>
-              <a:rPr lang="en-US" altLang="zh-CN" b="1" dirty="0"/>
-              <a:t>1 Cache</a:t>
-            </a:r>
-            <a:endParaRPr lang="en-US" b="1" dirty="0"/>
-          </a:p>
-        </p:txBody>
-      </p:sp>
-      <p:sp>
-        <p:nvSpPr>
-          <p:cNvPr id="8" name="Rectangle 7">
-            <a:extLst>
-              <a:ext uri="{FF2B5EF4-FFF2-40B4-BE49-F238E27FC236}">
-                <a16:creationId xmlns:a16="http://schemas.microsoft.com/office/drawing/2014/main" id="{8A5CF232-6D32-2542-A288-C3B95B39EB1D}"/>
-              </a:ext>
-            </a:extLst>
-          </p:cNvPr>
-          <p:cNvSpPr/>
-          <p:nvPr/>
-        </p:nvSpPr>
-        <p:spPr>
-          <a:xfrm>
-            <a:off x="6617561" y="4448158"/>
-            <a:ext cx="2175917" cy="666714"/>
-          </a:xfrm>
-          <a:prstGeom prst="rect">
-            <a:avLst/>
-          </a:prstGeom>
-          <a:solidFill>
-            <a:schemeClr val="accent6">
-              <a:lumMod val="60000"/>
-              <a:lumOff val="40000"/>
-            </a:schemeClr>
-          </a:solidFill>
-          <a:ln>
-            <a:noFill/>
-          </a:ln>
-        </p:spPr>
-        <p:style>
-          <a:lnRef idx="2">
-            <a:schemeClr val="accent1">
-              <a:shade val="50000"/>
-            </a:schemeClr>
-          </a:lnRef>
-          <a:fillRef idx="1">
-            <a:schemeClr val="accent1"/>
-          </a:fillRef>
-          <a:effectRef idx="0">
-            <a:schemeClr val="accent1"/>
-          </a:effectRef>
-          <a:fontRef idx="minor">
-            <a:schemeClr val="lt1"/>
-          </a:fontRef>
-        </p:style>
-        <p:txBody>
-          <a:bodyPr rtlCol="0" anchor="ctr"/>
-          <a:lstStyle/>
-          <a:p>
-            <a:pPr algn="ctr"/>
-            <a:r>
-              <a:rPr lang="en-US" b="1" dirty="0"/>
-              <a:t>L</a:t>
-            </a:r>
-            <a:r>
-              <a:rPr lang="en-US" altLang="zh-CN" b="1" dirty="0"/>
-              <a:t>1 Cache</a:t>
-            </a:r>
-            <a:endParaRPr lang="en-US" b="1" dirty="0"/>
-          </a:p>
-        </p:txBody>
-      </p:sp>
-      <p:sp>
-        <p:nvSpPr>
-          <p:cNvPr id="9" name="Rectangle 8">
-            <a:extLst>
-              <a:ext uri="{FF2B5EF4-FFF2-40B4-BE49-F238E27FC236}">
-                <a16:creationId xmlns:a16="http://schemas.microsoft.com/office/drawing/2014/main" id="{C1039F67-7CE3-4C48-91D1-8410D927B9E4}"/>
-              </a:ext>
-            </a:extLst>
-          </p:cNvPr>
-          <p:cNvSpPr/>
-          <p:nvPr/>
-        </p:nvSpPr>
-        <p:spPr>
-          <a:xfrm>
-            <a:off x="3859122" y="2878509"/>
-            <a:ext cx="4934357" cy="796181"/>
-          </a:xfrm>
-          <a:prstGeom prst="rect">
-            <a:avLst/>
-          </a:prstGeom>
-          <a:solidFill>
-            <a:schemeClr val="bg1">
-              <a:lumMod val="65000"/>
-            </a:schemeClr>
-          </a:solidFill>
-          <a:ln>
-            <a:noFill/>
-          </a:ln>
-        </p:spPr>
-        <p:style>
-          <a:lnRef idx="2">
-            <a:schemeClr val="accent1">
-              <a:shade val="50000"/>
-            </a:schemeClr>
-          </a:lnRef>
-          <a:fillRef idx="1">
-            <a:schemeClr val="accent1"/>
-          </a:fillRef>
-          <a:effectRef idx="0">
-            <a:schemeClr val="accent1"/>
-          </a:effectRef>
-          <a:fontRef idx="minor">
-            <a:schemeClr val="lt1"/>
-          </a:fontRef>
-        </p:style>
-        <p:txBody>
-          <a:bodyPr rtlCol="0" anchor="ctr"/>
-          <a:lstStyle/>
-          <a:p>
-            <a:pPr algn="ctr"/>
-            <a:r>
-              <a:rPr lang="en-US" altLang="zh-CN" b="1" dirty="0"/>
-              <a:t>L3 Cache</a:t>
-            </a:r>
-            <a:endParaRPr lang="en-US" b="1" dirty="0"/>
-          </a:p>
-        </p:txBody>
-      </p:sp>
-      <p:sp>
-        <p:nvSpPr>
-          <p:cNvPr id="10" name="Rectangle 9">
-            <a:extLst>
-              <a:ext uri="{FF2B5EF4-FFF2-40B4-BE49-F238E27FC236}">
-                <a16:creationId xmlns:a16="http://schemas.microsoft.com/office/drawing/2014/main" id="{78035B01-058A-274B-A48D-4A35730A28A1}"/>
-              </a:ext>
-            </a:extLst>
-          </p:cNvPr>
-          <p:cNvSpPr/>
-          <p:nvPr/>
-        </p:nvSpPr>
-        <p:spPr>
-          <a:xfrm>
-            <a:off x="3859122" y="5114872"/>
+            <a:off x="3859125" y="2900482"/>
             <a:ext cx="2175917" cy="666714"/>
           </a:xfrm>
           <a:prstGeom prst="rect">
@@ -3768,7 +3469,7 @@
         </p:nvSpPr>
         <p:spPr>
           <a:xfrm>
-            <a:off x="6617560" y="5114872"/>
+            <a:off x="6617563" y="2900482"/>
             <a:ext cx="2175917" cy="666714"/>
           </a:xfrm>
           <a:prstGeom prst="rect">
@@ -4075,9 +3776,6 @@
               <a:rPr lang="en-US" altLang="zh-CN" b="1" dirty="0"/>
               <a:t>1 Cache</a:t>
             </a:r>
-          </a:p>
-          <a:p>
-            <a:pPr algn="ctr"/>
             <a:endParaRPr lang="en-US" b="1" dirty="0"/>
           </a:p>
         </p:txBody>
@@ -4096,7 +3794,7 @@
         </p:nvSpPr>
         <p:spPr>
           <a:xfrm>
-            <a:off x="6617563" y="4448158"/>
+            <a:off x="6617561" y="4448158"/>
             <a:ext cx="2175917" cy="666714"/>
           </a:xfrm>
           <a:prstGeom prst="rect">
@@ -4141,9 +3839,6 @@
               <a:rPr lang="en-US" altLang="zh-CN" b="1" dirty="0"/>
               <a:t>1 Cache</a:t>
             </a:r>
-          </a:p>
-          <a:p>
-            <a:pPr algn="ctr"/>
             <a:endParaRPr lang="en-US" b="1" dirty="0"/>
           </a:p>
         </p:txBody>
@@ -4287,7 +3982,7 @@
         </p:nvSpPr>
         <p:spPr>
           <a:xfrm>
-            <a:off x="6617562" y="5126267"/>
+            <a:off x="6617560" y="5114872"/>
             <a:ext cx="2175917" cy="666714"/>
           </a:xfrm>
           <a:prstGeom prst="rect">
@@ -4331,6 +4026,525 @@
           </a:p>
         </p:txBody>
       </p:sp>
+    </p:spTree>
+    <p:extLst>
+      <p:ext uri="{BB962C8B-B14F-4D97-AF65-F5344CB8AC3E}">
+        <p14:creationId xmlns:p14="http://schemas.microsoft.com/office/powerpoint/2010/main" val="3057185806"/>
+      </p:ext>
+    </p:extLst>
+  </p:cSld>
+  <p:clrMapOvr>
+    <a:masterClrMapping/>
+  </p:clrMapOvr>
+</p:sld>
+</file>
+
+<file path=ppt/slides/slide3.xml><?xml version="1.0" encoding="utf-8"?>
+<p:sld xmlns:a="http://schemas.openxmlformats.org/drawingml/2006/main" xmlns:r="http://schemas.openxmlformats.org/officeDocument/2006/relationships" xmlns:p="http://schemas.openxmlformats.org/presentationml/2006/main">
+  <p:cSld>
+    <p:spTree>
+      <p:nvGrpSpPr>
+        <p:cNvPr id="1" name=""/>
+        <p:cNvGrpSpPr/>
+        <p:nvPr/>
+      </p:nvGrpSpPr>
+      <p:grpSpPr>
+        <a:xfrm>
+          <a:off x="0" y="0"/>
+          <a:ext cx="0" cy="0"/>
+          <a:chOff x="0" y="0"/>
+          <a:chExt cx="0" cy="0"/>
+        </a:xfrm>
+      </p:grpSpPr>
+      <p:sp>
+        <p:nvSpPr>
+          <p:cNvPr id="4" name="Rectangle 3">
+            <a:extLst>
+              <a:ext uri="{FF2B5EF4-FFF2-40B4-BE49-F238E27FC236}">
+                <a16:creationId xmlns:a16="http://schemas.microsoft.com/office/drawing/2014/main" id="{C48642E5-CDFB-0142-9D53-1C573537B3D2}"/>
+              </a:ext>
+            </a:extLst>
+          </p:cNvPr>
+          <p:cNvSpPr/>
+          <p:nvPr/>
+        </p:nvSpPr>
+        <p:spPr>
+          <a:xfrm>
+            <a:off x="3859123" y="1405926"/>
+            <a:ext cx="4934357" cy="1367754"/>
+          </a:xfrm>
+          <a:prstGeom prst="rect">
+            <a:avLst/>
+          </a:prstGeom>
+          <a:solidFill>
+            <a:schemeClr val="accent1">
+              <a:lumMod val="60000"/>
+              <a:lumOff val="40000"/>
+            </a:schemeClr>
+          </a:solidFill>
+          <a:ln>
+            <a:noFill/>
+          </a:ln>
+        </p:spPr>
+        <p:style>
+          <a:lnRef idx="2">
+            <a:schemeClr val="accent1">
+              <a:shade val="50000"/>
+            </a:schemeClr>
+          </a:lnRef>
+          <a:fillRef idx="1">
+            <a:schemeClr val="accent1"/>
+          </a:fillRef>
+          <a:effectRef idx="0">
+            <a:schemeClr val="accent1"/>
+          </a:effectRef>
+          <a:fontRef idx="minor">
+            <a:schemeClr val="lt1"/>
+          </a:fontRef>
+        </p:style>
+        <p:txBody>
+          <a:bodyPr rtlCol="0" anchor="ctr"/>
+          <a:lstStyle/>
+          <a:p>
+            <a:pPr algn="ctr"/>
+            <a:r>
+              <a:rPr lang="en-US" b="1" dirty="0"/>
+              <a:t>Memory</a:t>
+            </a:r>
+          </a:p>
+        </p:txBody>
+      </p:sp>
+      <p:sp>
+        <p:nvSpPr>
+          <p:cNvPr id="5" name="Rectangle 4">
+            <a:extLst>
+              <a:ext uri="{FF2B5EF4-FFF2-40B4-BE49-F238E27FC236}">
+                <a16:creationId xmlns:a16="http://schemas.microsoft.com/office/drawing/2014/main" id="{F975BF13-3FF3-BE43-AB6C-F31C7333F01B}"/>
+              </a:ext>
+            </a:extLst>
+          </p:cNvPr>
+          <p:cNvSpPr/>
+          <p:nvPr/>
+        </p:nvSpPr>
+        <p:spPr>
+          <a:xfrm>
+            <a:off x="3859123" y="3779520"/>
+            <a:ext cx="2175917" cy="666714"/>
+          </a:xfrm>
+          <a:prstGeom prst="rect">
+            <a:avLst/>
+          </a:prstGeom>
+          <a:solidFill>
+            <a:schemeClr val="accent6">
+              <a:lumMod val="40000"/>
+              <a:lumOff val="60000"/>
+            </a:schemeClr>
+          </a:solidFill>
+          <a:ln>
+            <a:noFill/>
+          </a:ln>
+        </p:spPr>
+        <p:style>
+          <a:lnRef idx="2">
+            <a:schemeClr val="accent1">
+              <a:shade val="50000"/>
+            </a:schemeClr>
+          </a:lnRef>
+          <a:fillRef idx="1">
+            <a:schemeClr val="accent1"/>
+          </a:fillRef>
+          <a:effectRef idx="0">
+            <a:schemeClr val="accent1"/>
+          </a:effectRef>
+          <a:fontRef idx="minor">
+            <a:schemeClr val="lt1"/>
+          </a:fontRef>
+        </p:style>
+        <p:txBody>
+          <a:bodyPr rtlCol="0" anchor="ctr"/>
+          <a:lstStyle/>
+          <a:p>
+            <a:pPr algn="ctr"/>
+            <a:r>
+              <a:rPr lang="en-US" b="1" dirty="0"/>
+              <a:t>L2 Cache</a:t>
+            </a:r>
+          </a:p>
+        </p:txBody>
+      </p:sp>
+      <p:sp>
+        <p:nvSpPr>
+          <p:cNvPr id="6" name="Rectangle 5">
+            <a:extLst>
+              <a:ext uri="{FF2B5EF4-FFF2-40B4-BE49-F238E27FC236}">
+                <a16:creationId xmlns:a16="http://schemas.microsoft.com/office/drawing/2014/main" id="{3C04CB38-1558-0949-BBB9-33D9389F6A11}"/>
+              </a:ext>
+            </a:extLst>
+          </p:cNvPr>
+          <p:cNvSpPr/>
+          <p:nvPr/>
+        </p:nvSpPr>
+        <p:spPr>
+          <a:xfrm>
+            <a:off x="6617563" y="3779520"/>
+            <a:ext cx="2175917" cy="666714"/>
+          </a:xfrm>
+          <a:prstGeom prst="rect">
+            <a:avLst/>
+          </a:prstGeom>
+          <a:solidFill>
+            <a:schemeClr val="accent6">
+              <a:lumMod val="40000"/>
+              <a:lumOff val="60000"/>
+            </a:schemeClr>
+          </a:solidFill>
+          <a:ln>
+            <a:noFill/>
+          </a:ln>
+        </p:spPr>
+        <p:style>
+          <a:lnRef idx="2">
+            <a:schemeClr val="accent1">
+              <a:shade val="50000"/>
+            </a:schemeClr>
+          </a:lnRef>
+          <a:fillRef idx="1">
+            <a:schemeClr val="accent1"/>
+          </a:fillRef>
+          <a:effectRef idx="0">
+            <a:schemeClr val="accent1"/>
+          </a:effectRef>
+          <a:fontRef idx="minor">
+            <a:schemeClr val="lt1"/>
+          </a:fontRef>
+        </p:style>
+        <p:txBody>
+          <a:bodyPr rtlCol="0" anchor="ctr"/>
+          <a:lstStyle/>
+          <a:p>
+            <a:pPr algn="ctr"/>
+            <a:r>
+              <a:rPr lang="en-US" b="1" dirty="0"/>
+              <a:t>L2 Cache</a:t>
+            </a:r>
+          </a:p>
+        </p:txBody>
+      </p:sp>
+      <p:sp>
+        <p:nvSpPr>
+          <p:cNvPr id="7" name="Rectangle 6">
+            <a:extLst>
+              <a:ext uri="{FF2B5EF4-FFF2-40B4-BE49-F238E27FC236}">
+                <a16:creationId xmlns:a16="http://schemas.microsoft.com/office/drawing/2014/main" id="{D6ABB025-E400-CF4A-ADF9-6D1D68A6B64A}"/>
+              </a:ext>
+            </a:extLst>
+          </p:cNvPr>
+          <p:cNvSpPr/>
+          <p:nvPr/>
+        </p:nvSpPr>
+        <p:spPr>
+          <a:xfrm>
+            <a:off x="3859123" y="4448158"/>
+            <a:ext cx="2175917" cy="666714"/>
+          </a:xfrm>
+          <a:prstGeom prst="rect">
+            <a:avLst/>
+          </a:prstGeom>
+          <a:solidFill>
+            <a:schemeClr val="accent6">
+              <a:lumMod val="60000"/>
+              <a:lumOff val="40000"/>
+            </a:schemeClr>
+          </a:solidFill>
+          <a:ln>
+            <a:noFill/>
+          </a:ln>
+        </p:spPr>
+        <p:style>
+          <a:lnRef idx="2">
+            <a:schemeClr val="accent1">
+              <a:shade val="50000"/>
+            </a:schemeClr>
+          </a:lnRef>
+          <a:fillRef idx="1">
+            <a:schemeClr val="accent1"/>
+          </a:fillRef>
+          <a:effectRef idx="0">
+            <a:schemeClr val="accent1"/>
+          </a:effectRef>
+          <a:fontRef idx="minor">
+            <a:schemeClr val="lt1"/>
+          </a:fontRef>
+        </p:style>
+        <p:txBody>
+          <a:bodyPr rtlCol="0" anchor="ctr"/>
+          <a:lstStyle/>
+          <a:p>
+            <a:pPr algn="ctr"/>
+            <a:r>
+              <a:rPr lang="en-US" b="1" dirty="0"/>
+              <a:t>L</a:t>
+            </a:r>
+            <a:r>
+              <a:rPr lang="en-US" altLang="zh-CN" b="1" dirty="0"/>
+              <a:t>1 Cache</a:t>
+            </a:r>
+          </a:p>
+          <a:p>
+            <a:pPr algn="ctr"/>
+            <a:endParaRPr lang="en-US" b="1" dirty="0"/>
+          </a:p>
+        </p:txBody>
+      </p:sp>
+      <p:sp>
+        <p:nvSpPr>
+          <p:cNvPr id="8" name="Rectangle 7">
+            <a:extLst>
+              <a:ext uri="{FF2B5EF4-FFF2-40B4-BE49-F238E27FC236}">
+                <a16:creationId xmlns:a16="http://schemas.microsoft.com/office/drawing/2014/main" id="{8A5CF232-6D32-2542-A288-C3B95B39EB1D}"/>
+              </a:ext>
+            </a:extLst>
+          </p:cNvPr>
+          <p:cNvSpPr/>
+          <p:nvPr/>
+        </p:nvSpPr>
+        <p:spPr>
+          <a:xfrm>
+            <a:off x="6617563" y="4448158"/>
+            <a:ext cx="2175917" cy="666714"/>
+          </a:xfrm>
+          <a:prstGeom prst="rect">
+            <a:avLst/>
+          </a:prstGeom>
+          <a:solidFill>
+            <a:schemeClr val="accent6">
+              <a:lumMod val="60000"/>
+              <a:lumOff val="40000"/>
+            </a:schemeClr>
+          </a:solidFill>
+          <a:ln>
+            <a:noFill/>
+          </a:ln>
+        </p:spPr>
+        <p:style>
+          <a:lnRef idx="2">
+            <a:schemeClr val="accent1">
+              <a:shade val="50000"/>
+            </a:schemeClr>
+          </a:lnRef>
+          <a:fillRef idx="1">
+            <a:schemeClr val="accent1"/>
+          </a:fillRef>
+          <a:effectRef idx="0">
+            <a:schemeClr val="accent1"/>
+          </a:effectRef>
+          <a:fontRef idx="minor">
+            <a:schemeClr val="lt1"/>
+          </a:fontRef>
+        </p:style>
+        <p:txBody>
+          <a:bodyPr rtlCol="0" anchor="ctr"/>
+          <a:lstStyle/>
+          <a:p>
+            <a:pPr algn="ctr"/>
+            <a:r>
+              <a:rPr lang="en-US" b="1" dirty="0"/>
+              <a:t>L</a:t>
+            </a:r>
+            <a:r>
+              <a:rPr lang="en-US" altLang="zh-CN" b="1" dirty="0"/>
+              <a:t>1 Cache</a:t>
+            </a:r>
+          </a:p>
+          <a:p>
+            <a:pPr algn="ctr"/>
+            <a:endParaRPr lang="en-US" b="1" dirty="0"/>
+          </a:p>
+        </p:txBody>
+      </p:sp>
+      <p:sp>
+        <p:nvSpPr>
+          <p:cNvPr id="9" name="Rectangle 8">
+            <a:extLst>
+              <a:ext uri="{FF2B5EF4-FFF2-40B4-BE49-F238E27FC236}">
+                <a16:creationId xmlns:a16="http://schemas.microsoft.com/office/drawing/2014/main" id="{C1039F67-7CE3-4C48-91D1-8410D927B9E4}"/>
+              </a:ext>
+            </a:extLst>
+          </p:cNvPr>
+          <p:cNvSpPr/>
+          <p:nvPr/>
+        </p:nvSpPr>
+        <p:spPr>
+          <a:xfrm>
+            <a:off x="3859122" y="2878509"/>
+            <a:ext cx="4934357" cy="796181"/>
+          </a:xfrm>
+          <a:prstGeom prst="rect">
+            <a:avLst/>
+          </a:prstGeom>
+          <a:solidFill>
+            <a:schemeClr val="bg1">
+              <a:lumMod val="65000"/>
+            </a:schemeClr>
+          </a:solidFill>
+          <a:ln>
+            <a:noFill/>
+          </a:ln>
+        </p:spPr>
+        <p:style>
+          <a:lnRef idx="2">
+            <a:schemeClr val="accent1">
+              <a:shade val="50000"/>
+            </a:schemeClr>
+          </a:lnRef>
+          <a:fillRef idx="1">
+            <a:schemeClr val="accent1"/>
+          </a:fillRef>
+          <a:effectRef idx="0">
+            <a:schemeClr val="accent1"/>
+          </a:effectRef>
+          <a:fontRef idx="minor">
+            <a:schemeClr val="lt1"/>
+          </a:fontRef>
+        </p:style>
+        <p:txBody>
+          <a:bodyPr rtlCol="0" anchor="ctr"/>
+          <a:lstStyle/>
+          <a:p>
+            <a:pPr algn="ctr"/>
+            <a:r>
+              <a:rPr lang="en-US" altLang="zh-CN" b="1" dirty="0"/>
+              <a:t>L3 Cache</a:t>
+            </a:r>
+            <a:endParaRPr lang="en-US" b="1" dirty="0"/>
+          </a:p>
+        </p:txBody>
+      </p:sp>
+      <p:sp>
+        <p:nvSpPr>
+          <p:cNvPr id="10" name="Rectangle 9">
+            <a:extLst>
+              <a:ext uri="{FF2B5EF4-FFF2-40B4-BE49-F238E27FC236}">
+                <a16:creationId xmlns:a16="http://schemas.microsoft.com/office/drawing/2014/main" id="{78035B01-058A-274B-A48D-4A35730A28A1}"/>
+              </a:ext>
+            </a:extLst>
+          </p:cNvPr>
+          <p:cNvSpPr/>
+          <p:nvPr/>
+        </p:nvSpPr>
+        <p:spPr>
+          <a:xfrm>
+            <a:off x="3859122" y="5114872"/>
+            <a:ext cx="2175917" cy="666714"/>
+          </a:xfrm>
+          <a:prstGeom prst="rect">
+            <a:avLst/>
+          </a:prstGeom>
+          <a:solidFill>
+            <a:schemeClr val="accent2">
+              <a:lumMod val="40000"/>
+              <a:lumOff val="60000"/>
+            </a:schemeClr>
+          </a:solidFill>
+          <a:ln>
+            <a:noFill/>
+          </a:ln>
+        </p:spPr>
+        <p:style>
+          <a:lnRef idx="2">
+            <a:schemeClr val="accent1">
+              <a:shade val="50000"/>
+            </a:schemeClr>
+          </a:lnRef>
+          <a:fillRef idx="1">
+            <a:schemeClr val="accent1"/>
+          </a:fillRef>
+          <a:effectRef idx="0">
+            <a:schemeClr val="accent1"/>
+          </a:effectRef>
+          <a:fontRef idx="minor">
+            <a:schemeClr val="lt1"/>
+          </a:fontRef>
+        </p:style>
+        <p:txBody>
+          <a:bodyPr rtlCol="0" anchor="ctr"/>
+          <a:lstStyle/>
+          <a:p>
+            <a:pPr algn="ctr"/>
+            <a:r>
+              <a:rPr lang="en-US" b="1" dirty="0"/>
+              <a:t>Core</a:t>
+            </a:r>
+            <a:r>
+              <a:rPr lang="zh-CN" altLang="en-US" b="1" dirty="0"/>
+              <a:t> </a:t>
+            </a:r>
+            <a:r>
+              <a:rPr lang="en-US" altLang="zh-CN" b="1" dirty="0"/>
+              <a:t>0</a:t>
+            </a:r>
+            <a:endParaRPr lang="en-US" b="1" dirty="0"/>
+          </a:p>
+        </p:txBody>
+      </p:sp>
+      <p:sp>
+        <p:nvSpPr>
+          <p:cNvPr id="11" name="Rectangle 10">
+            <a:extLst>
+              <a:ext uri="{FF2B5EF4-FFF2-40B4-BE49-F238E27FC236}">
+                <a16:creationId xmlns:a16="http://schemas.microsoft.com/office/drawing/2014/main" id="{D3DE261D-978C-0640-82A6-290B2D47CFF0}"/>
+              </a:ext>
+            </a:extLst>
+          </p:cNvPr>
+          <p:cNvSpPr/>
+          <p:nvPr/>
+        </p:nvSpPr>
+        <p:spPr>
+          <a:xfrm>
+            <a:off x="6617562" y="5126267"/>
+            <a:ext cx="2175917" cy="666714"/>
+          </a:xfrm>
+          <a:prstGeom prst="rect">
+            <a:avLst/>
+          </a:prstGeom>
+          <a:solidFill>
+            <a:schemeClr val="accent2">
+              <a:lumMod val="40000"/>
+              <a:lumOff val="60000"/>
+            </a:schemeClr>
+          </a:solidFill>
+          <a:ln>
+            <a:noFill/>
+          </a:ln>
+        </p:spPr>
+        <p:style>
+          <a:lnRef idx="2">
+            <a:schemeClr val="accent1">
+              <a:shade val="50000"/>
+            </a:schemeClr>
+          </a:lnRef>
+          <a:fillRef idx="1">
+            <a:schemeClr val="accent1"/>
+          </a:fillRef>
+          <a:effectRef idx="0">
+            <a:schemeClr val="accent1"/>
+          </a:effectRef>
+          <a:fontRef idx="minor">
+            <a:schemeClr val="lt1"/>
+          </a:fontRef>
+        </p:style>
+        <p:txBody>
+          <a:bodyPr rtlCol="0" anchor="ctr"/>
+          <a:lstStyle/>
+          <a:p>
+            <a:pPr algn="ctr"/>
+            <a:r>
+              <a:rPr lang="en-US" b="1" dirty="0"/>
+              <a:t>Core 1</a:t>
+            </a:r>
+          </a:p>
+        </p:txBody>
+      </p:sp>
       <p:sp>
         <p:nvSpPr>
           <p:cNvPr id="13" name="Rectangle 12">
@@ -4564,7 +4778,7 @@
 </p:sld>
 </file>
 
-<file path=ppt/slides/slide3.xml><?xml version="1.0" encoding="utf-8"?>
+<file path=ppt/slides/slide4.xml><?xml version="1.0" encoding="utf-8"?>
 <p:sld xmlns:a="http://schemas.openxmlformats.org/drawingml/2006/main" xmlns:r="http://schemas.openxmlformats.org/officeDocument/2006/relationships" xmlns:p="http://schemas.openxmlformats.org/presentationml/2006/main">
   <p:cSld>
     <p:spTree>
@@ -6142,7 +6356,7 @@
 </p:sld>
 </file>
 
-<file path=ppt/slides/slide4.xml><?xml version="1.0" encoding="utf-8"?>
+<file path=ppt/slides/slide5.xml><?xml version="1.0" encoding="utf-8"?>
 <p:sld xmlns:a="http://schemas.openxmlformats.org/drawingml/2006/main" xmlns:r="http://schemas.openxmlformats.org/officeDocument/2006/relationships" xmlns:p="http://schemas.openxmlformats.org/presentationml/2006/main">
   <p:cSld>
     <p:spTree>
